--- a/Villou_MIDI_TO_DMX_vAnniv/doc/Config1.pptx
+++ b/Villou_MIDI_TO_DMX_vAnniv/doc/Config1.pptx
@@ -8,7 +8,7 @@
     <p:sldId id="256" r:id="rId2"/>
   </p:sldIdLst>
   <p:sldSz cx="12192000" cy="6858000"/>
-  <p:notesSz cx="6858000" cy="9144000"/>
+  <p:notesSz cx="6797675" cy="9874250"/>
   <p:defaultTextStyle>
     <a:defPPr>
       <a:defRPr lang="fr-FR"/>
@@ -104,6 +104,11 @@
       </a:defRPr>
     </a:lvl9pPr>
   </p:defaultTextStyle>
+  <p:extLst>
+    <p:ext uri="{EFAFB233-063F-42B5-8137-9DF3F51BA10A}">
+      <p15:sldGuideLst xmlns:p15="http://schemas.microsoft.com/office/powerpoint/2012/main"/>
+    </p:ext>
+  </p:extLst>
 </p:presentation>
 </file>
 
@@ -254,7 +259,7 @@
           <a:p>
             <a:fld id="{9FF0638A-2B11-4B7F-8B8C-7FF18E50DBB3}" type="datetimeFigureOut">
               <a:rPr lang="fr-FR" smtClean="0"/>
-              <a:t>06/06/2023</a:t>
+              <a:t>09/06/2023</a:t>
             </a:fld>
             <a:endParaRPr lang="fr-FR"/>
           </a:p>
@@ -452,7 +457,7 @@
           <a:p>
             <a:fld id="{9FF0638A-2B11-4B7F-8B8C-7FF18E50DBB3}" type="datetimeFigureOut">
               <a:rPr lang="fr-FR" smtClean="0"/>
-              <a:t>06/06/2023</a:t>
+              <a:t>09/06/2023</a:t>
             </a:fld>
             <a:endParaRPr lang="fr-FR"/>
           </a:p>
@@ -660,7 +665,7 @@
           <a:p>
             <a:fld id="{9FF0638A-2B11-4B7F-8B8C-7FF18E50DBB3}" type="datetimeFigureOut">
               <a:rPr lang="fr-FR" smtClean="0"/>
-              <a:t>06/06/2023</a:t>
+              <a:t>09/06/2023</a:t>
             </a:fld>
             <a:endParaRPr lang="fr-FR"/>
           </a:p>
@@ -858,7 +863,7 @@
           <a:p>
             <a:fld id="{9FF0638A-2B11-4B7F-8B8C-7FF18E50DBB3}" type="datetimeFigureOut">
               <a:rPr lang="fr-FR" smtClean="0"/>
-              <a:t>06/06/2023</a:t>
+              <a:t>09/06/2023</a:t>
             </a:fld>
             <a:endParaRPr lang="fr-FR"/>
           </a:p>
@@ -1133,7 +1138,7 @@
           <a:p>
             <a:fld id="{9FF0638A-2B11-4B7F-8B8C-7FF18E50DBB3}" type="datetimeFigureOut">
               <a:rPr lang="fr-FR" smtClean="0"/>
-              <a:t>06/06/2023</a:t>
+              <a:t>09/06/2023</a:t>
             </a:fld>
             <a:endParaRPr lang="fr-FR"/>
           </a:p>
@@ -1398,7 +1403,7 @@
           <a:p>
             <a:fld id="{9FF0638A-2B11-4B7F-8B8C-7FF18E50DBB3}" type="datetimeFigureOut">
               <a:rPr lang="fr-FR" smtClean="0"/>
-              <a:t>06/06/2023</a:t>
+              <a:t>09/06/2023</a:t>
             </a:fld>
             <a:endParaRPr lang="fr-FR"/>
           </a:p>
@@ -1810,7 +1815,7 @@
           <a:p>
             <a:fld id="{9FF0638A-2B11-4B7F-8B8C-7FF18E50DBB3}" type="datetimeFigureOut">
               <a:rPr lang="fr-FR" smtClean="0"/>
-              <a:t>06/06/2023</a:t>
+              <a:t>09/06/2023</a:t>
             </a:fld>
             <a:endParaRPr lang="fr-FR"/>
           </a:p>
@@ -1951,7 +1956,7 @@
           <a:p>
             <a:fld id="{9FF0638A-2B11-4B7F-8B8C-7FF18E50DBB3}" type="datetimeFigureOut">
               <a:rPr lang="fr-FR" smtClean="0"/>
-              <a:t>06/06/2023</a:t>
+              <a:t>09/06/2023</a:t>
             </a:fld>
             <a:endParaRPr lang="fr-FR"/>
           </a:p>
@@ -2064,7 +2069,7 @@
           <a:p>
             <a:fld id="{9FF0638A-2B11-4B7F-8B8C-7FF18E50DBB3}" type="datetimeFigureOut">
               <a:rPr lang="fr-FR" smtClean="0"/>
-              <a:t>06/06/2023</a:t>
+              <a:t>09/06/2023</a:t>
             </a:fld>
             <a:endParaRPr lang="fr-FR"/>
           </a:p>
@@ -2375,7 +2380,7 @@
           <a:p>
             <a:fld id="{9FF0638A-2B11-4B7F-8B8C-7FF18E50DBB3}" type="datetimeFigureOut">
               <a:rPr lang="fr-FR" smtClean="0"/>
-              <a:t>06/06/2023</a:t>
+              <a:t>09/06/2023</a:t>
             </a:fld>
             <a:endParaRPr lang="fr-FR"/>
           </a:p>
@@ -2663,7 +2668,7 @@
           <a:p>
             <a:fld id="{9FF0638A-2B11-4B7F-8B8C-7FF18E50DBB3}" type="datetimeFigureOut">
               <a:rPr lang="fr-FR" smtClean="0"/>
-              <a:t>06/06/2023</a:t>
+              <a:t>09/06/2023</a:t>
             </a:fld>
             <a:endParaRPr lang="fr-FR"/>
           </a:p>
@@ -2904,7 +2909,7 @@
           <a:p>
             <a:fld id="{9FF0638A-2B11-4B7F-8B8C-7FF18E50DBB3}" type="datetimeFigureOut">
               <a:rPr lang="fr-FR" smtClean="0"/>
-              <a:t>06/06/2023</a:t>
+              <a:t>09/06/2023</a:t>
             </a:fld>
             <a:endParaRPr lang="fr-FR"/>
           </a:p>
@@ -4668,12 +4673,23 @@
           <a:p>
             <a:pPr algn="ctr"/>
             <a:r>
-              <a:rPr lang="fr-FR" sz="1400" dirty="0">
+              <a:rPr lang="fr-FR" sz="1400" dirty="0" smtClean="0">
                 <a:solidFill>
                   <a:schemeClr val="tx1"/>
                 </a:solidFill>
               </a:rPr>
-              <a:t>SEnp1</a:t>
+              <a:t>SEQ5</a:t>
+            </a:r>
+          </a:p>
+          <a:p>
+            <a:pPr algn="ctr"/>
+            <a:r>
+              <a:rPr lang="fr-FR" sz="1100" dirty="0" smtClean="0">
+                <a:solidFill>
+                  <a:schemeClr val="tx1"/>
+                </a:solidFill>
+              </a:rPr>
+              <a:t>116BPM</a:t>
             </a:r>
           </a:p>
         </p:txBody>
@@ -4727,13 +4743,34 @@
           <a:p>
             <a:pPr algn="ctr"/>
             <a:r>
-              <a:rPr lang="fr-FR" sz="1400" dirty="0">
+              <a:rPr lang="fr-FR" sz="1400" dirty="0" smtClean="0">
                 <a:solidFill>
                   <a:schemeClr val="tx1"/>
                 </a:solidFill>
               </a:rPr>
-              <a:t>SEnp2</a:t>
-            </a:r>
+              <a:t>SEQ6</a:t>
+            </a:r>
+            <a:endParaRPr lang="fr-FR" dirty="0">
+              <a:solidFill>
+                <a:schemeClr val="tx1"/>
+              </a:solidFill>
+            </a:endParaRPr>
+          </a:p>
+          <a:p>
+            <a:pPr algn="ctr"/>
+            <a:r>
+              <a:rPr lang="fr-FR" sz="1100" dirty="0" smtClean="0">
+                <a:solidFill>
+                  <a:schemeClr val="tx1"/>
+                </a:solidFill>
+              </a:rPr>
+              <a:t>128BPM</a:t>
+            </a:r>
+            <a:endParaRPr lang="fr-FR" sz="1100" dirty="0">
+              <a:solidFill>
+                <a:schemeClr val="tx1"/>
+              </a:solidFill>
+            </a:endParaRPr>
           </a:p>
         </p:txBody>
       </p:sp>
@@ -4752,6 +4789,145 @@
         <p:spPr>
           <a:xfrm>
             <a:off x="5845432" y="4720762"/>
+            <a:ext cx="688258" cy="587099"/>
+          </a:xfrm>
+          <a:prstGeom prst="rect">
+            <a:avLst/>
+          </a:prstGeom>
+          <a:solidFill>
+            <a:schemeClr val="accent2">
+              <a:lumMod val="40000"/>
+              <a:lumOff val="60000"/>
+            </a:schemeClr>
+          </a:solidFill>
+        </p:spPr>
+        <p:style>
+          <a:lnRef idx="2">
+            <a:schemeClr val="accent1">
+              <a:shade val="50000"/>
+            </a:schemeClr>
+          </a:lnRef>
+          <a:fillRef idx="1">
+            <a:schemeClr val="accent1"/>
+          </a:fillRef>
+          <a:effectRef idx="0">
+            <a:schemeClr val="accent1"/>
+          </a:effectRef>
+          <a:fontRef idx="minor">
+            <a:schemeClr val="lt1"/>
+          </a:fontRef>
+        </p:style>
+        <p:txBody>
+          <a:bodyPr rtlCol="0" anchor="ctr"/>
+          <a:lstStyle/>
+          <a:p>
+            <a:pPr algn="ctr"/>
+            <a:r>
+              <a:rPr lang="fr-FR" sz="1400" dirty="0" smtClean="0">
+                <a:solidFill>
+                  <a:schemeClr val="tx1"/>
+                </a:solidFill>
+              </a:rPr>
+              <a:t>FADE</a:t>
+            </a:r>
+          </a:p>
+          <a:p>
+            <a:pPr algn="ctr"/>
+            <a:r>
+              <a:rPr lang="fr-FR" sz="1400" dirty="0" err="1" smtClean="0">
+                <a:solidFill>
+                  <a:schemeClr val="tx1"/>
+                </a:solidFill>
+              </a:rPr>
+              <a:t>NoPan</a:t>
+            </a:r>
+            <a:endParaRPr lang="fr-FR" sz="1400" dirty="0">
+              <a:solidFill>
+                <a:schemeClr val="tx1"/>
+              </a:solidFill>
+            </a:endParaRPr>
+          </a:p>
+        </p:txBody>
+      </p:sp>
+      <p:sp>
+        <p:nvSpPr>
+          <p:cNvPr id="29" name="Rectangle 28">
+            <a:extLst>
+              <a:ext uri="{FF2B5EF4-FFF2-40B4-BE49-F238E27FC236}">
+                <a16:creationId xmlns:a16="http://schemas.microsoft.com/office/drawing/2014/main" id="{90B69537-60EF-8BA9-FD52-2FD3592CF783}"/>
+              </a:ext>
+            </a:extLst>
+          </p:cNvPr>
+          <p:cNvSpPr/>
+          <p:nvPr/>
+        </p:nvSpPr>
+        <p:spPr>
+          <a:xfrm>
+            <a:off x="6672200" y="4720762"/>
+            <a:ext cx="688258" cy="587099"/>
+          </a:xfrm>
+          <a:prstGeom prst="rect">
+            <a:avLst/>
+          </a:prstGeom>
+          <a:solidFill>
+            <a:schemeClr val="accent2">
+              <a:lumMod val="40000"/>
+              <a:lumOff val="60000"/>
+            </a:schemeClr>
+          </a:solidFill>
+        </p:spPr>
+        <p:style>
+          <a:lnRef idx="2">
+            <a:schemeClr val="accent1">
+              <a:shade val="50000"/>
+            </a:schemeClr>
+          </a:lnRef>
+          <a:fillRef idx="1">
+            <a:schemeClr val="accent1"/>
+          </a:fillRef>
+          <a:effectRef idx="0">
+            <a:schemeClr val="accent1"/>
+          </a:effectRef>
+          <a:fontRef idx="minor">
+            <a:schemeClr val="lt1"/>
+          </a:fontRef>
+        </p:style>
+        <p:txBody>
+          <a:bodyPr rtlCol="0" anchor="ctr"/>
+          <a:lstStyle/>
+          <a:p>
+            <a:pPr algn="ctr"/>
+            <a:r>
+              <a:rPr lang="fr-FR" sz="1400" dirty="0" smtClean="0">
+                <a:solidFill>
+                  <a:schemeClr val="tx1"/>
+                </a:solidFill>
+              </a:rPr>
+              <a:t>W-UV</a:t>
+            </a:r>
+            <a:endParaRPr lang="fr-FR" sz="1400" dirty="0">
+              <a:solidFill>
+                <a:schemeClr val="tx1"/>
+              </a:solidFill>
+            </a:endParaRPr>
+          </a:p>
+        </p:txBody>
+      </p:sp>
+      <p:sp>
+        <p:nvSpPr>
+          <p:cNvPr id="30" name="Rectangle 29">
+            <a:extLst>
+              <a:ext uri="{FF2B5EF4-FFF2-40B4-BE49-F238E27FC236}">
+                <a16:creationId xmlns:a16="http://schemas.microsoft.com/office/drawing/2014/main" id="{F0685830-1B5D-F076-0FC1-7FE342916F50}"/>
+              </a:ext>
+            </a:extLst>
+          </p:cNvPr>
+          <p:cNvSpPr/>
+          <p:nvPr/>
+        </p:nvSpPr>
+        <p:spPr>
+          <a:xfrm>
+            <a:off x="4191896" y="5386799"/>
             <a:ext cx="688258" cy="587099"/>
           </a:xfrm>
           <a:prstGeom prst="rect">
@@ -4786,22 +4962,38 @@
           <a:p>
             <a:pPr algn="ctr"/>
             <a:r>
-              <a:rPr lang="fr-FR" sz="1400" dirty="0">
+              <a:rPr lang="fr-FR" sz="1400" dirty="0" smtClean="0">
                 <a:solidFill>
                   <a:schemeClr val="tx1"/>
                 </a:solidFill>
               </a:rPr>
-              <a:t>SEnp3</a:t>
-            </a:r>
-          </a:p>
-        </p:txBody>
-      </p:sp>
-      <p:sp>
-        <p:nvSpPr>
-          <p:cNvPr id="29" name="Rectangle 28">
-            <a:extLst>
-              <a:ext uri="{FF2B5EF4-FFF2-40B4-BE49-F238E27FC236}">
-                <a16:creationId xmlns:a16="http://schemas.microsoft.com/office/drawing/2014/main" id="{90B69537-60EF-8BA9-FD52-2FD3592CF783}"/>
+              <a:t>SEQ7</a:t>
+            </a:r>
+          </a:p>
+          <a:p>
+            <a:pPr algn="ctr"/>
+            <a:r>
+              <a:rPr lang="fr-FR" sz="1100" dirty="0" smtClean="0">
+                <a:solidFill>
+                  <a:schemeClr val="tx1"/>
+                </a:solidFill>
+              </a:rPr>
+              <a:t>90BPM</a:t>
+            </a:r>
+            <a:endParaRPr lang="fr-FR" sz="1400" dirty="0" smtClean="0">
+              <a:solidFill>
+                <a:schemeClr val="tx1"/>
+              </a:solidFill>
+            </a:endParaRPr>
+          </a:p>
+        </p:txBody>
+      </p:sp>
+      <p:sp>
+        <p:nvSpPr>
+          <p:cNvPr id="31" name="Rectangle 30">
+            <a:extLst>
+              <a:ext uri="{FF2B5EF4-FFF2-40B4-BE49-F238E27FC236}">
+                <a16:creationId xmlns:a16="http://schemas.microsoft.com/office/drawing/2014/main" id="{93C285BD-B82D-A0B6-60F4-F2FF2AA5270F}"/>
               </a:ext>
             </a:extLst>
           </p:cNvPr>
@@ -4810,7 +5002,7 @@
         </p:nvSpPr>
         <p:spPr>
           <a:xfrm>
-            <a:off x="6672200" y="4720762"/>
+            <a:off x="5018664" y="5386798"/>
             <a:ext cx="688258" cy="587099"/>
           </a:xfrm>
           <a:prstGeom prst="rect">
@@ -4845,131 +5037,29 @@
           <a:p>
             <a:pPr algn="ctr"/>
             <a:r>
-              <a:rPr lang="fr-FR" sz="1400" dirty="0">
+              <a:rPr lang="fr-FR" sz="1400" dirty="0" smtClean="0">
                 <a:solidFill>
                   <a:schemeClr val="tx1"/>
                 </a:solidFill>
               </a:rPr>
-              <a:t>SEnp4</a:t>
-            </a:r>
-          </a:p>
-        </p:txBody>
-      </p:sp>
-      <p:sp>
-        <p:nvSpPr>
-          <p:cNvPr id="30" name="Rectangle 29">
-            <a:extLst>
-              <a:ext uri="{FF2B5EF4-FFF2-40B4-BE49-F238E27FC236}">
-                <a16:creationId xmlns:a16="http://schemas.microsoft.com/office/drawing/2014/main" id="{F0685830-1B5D-F076-0FC1-7FE342916F50}"/>
-              </a:ext>
-            </a:extLst>
-          </p:cNvPr>
-          <p:cNvSpPr/>
-          <p:nvPr/>
-        </p:nvSpPr>
-        <p:spPr>
-          <a:xfrm>
-            <a:off x="4191896" y="5386799"/>
-            <a:ext cx="688258" cy="587099"/>
-          </a:xfrm>
-          <a:prstGeom prst="rect">
-            <a:avLst/>
-          </a:prstGeom>
-          <a:solidFill>
-            <a:schemeClr val="accent6">
-              <a:lumMod val="40000"/>
-              <a:lumOff val="60000"/>
-            </a:schemeClr>
-          </a:solidFill>
-        </p:spPr>
-        <p:style>
-          <a:lnRef idx="2">
-            <a:schemeClr val="accent1">
-              <a:shade val="50000"/>
-            </a:schemeClr>
-          </a:lnRef>
-          <a:fillRef idx="1">
-            <a:schemeClr val="accent1"/>
-          </a:fillRef>
-          <a:effectRef idx="0">
-            <a:schemeClr val="accent1"/>
-          </a:effectRef>
-          <a:fontRef idx="minor">
-            <a:schemeClr val="lt1"/>
-          </a:fontRef>
-        </p:style>
-        <p:txBody>
-          <a:bodyPr rtlCol="0" anchor="ctr"/>
-          <a:lstStyle/>
+              <a:t>SEQ8</a:t>
+            </a:r>
+          </a:p>
           <a:p>
             <a:pPr algn="ctr"/>
             <a:r>
-              <a:rPr lang="fr-FR" sz="1400" dirty="0">
+              <a:rPr lang="fr-FR" sz="1100" dirty="0" smtClean="0">
                 <a:solidFill>
                   <a:schemeClr val="tx1"/>
                 </a:solidFill>
               </a:rPr>
-              <a:t>C9</a:t>
-            </a:r>
-          </a:p>
-        </p:txBody>
-      </p:sp>
-      <p:sp>
-        <p:nvSpPr>
-          <p:cNvPr id="31" name="Rectangle 30">
-            <a:extLst>
-              <a:ext uri="{FF2B5EF4-FFF2-40B4-BE49-F238E27FC236}">
-                <a16:creationId xmlns:a16="http://schemas.microsoft.com/office/drawing/2014/main" id="{93C285BD-B82D-A0B6-60F4-F2FF2AA5270F}"/>
-              </a:ext>
-            </a:extLst>
-          </p:cNvPr>
-          <p:cNvSpPr/>
-          <p:nvPr/>
-        </p:nvSpPr>
-        <p:spPr>
-          <a:xfrm>
-            <a:off x="5018664" y="5386798"/>
-            <a:ext cx="688258" cy="587099"/>
-          </a:xfrm>
-          <a:prstGeom prst="rect">
-            <a:avLst/>
-          </a:prstGeom>
-          <a:solidFill>
-            <a:schemeClr val="accent6">
-              <a:lumMod val="40000"/>
-              <a:lumOff val="60000"/>
-            </a:schemeClr>
-          </a:solidFill>
-        </p:spPr>
-        <p:style>
-          <a:lnRef idx="2">
-            <a:schemeClr val="accent1">
-              <a:shade val="50000"/>
-            </a:schemeClr>
-          </a:lnRef>
-          <a:fillRef idx="1">
-            <a:schemeClr val="accent1"/>
-          </a:fillRef>
-          <a:effectRef idx="0">
-            <a:schemeClr val="accent1"/>
-          </a:effectRef>
-          <a:fontRef idx="minor">
-            <a:schemeClr val="lt1"/>
-          </a:fontRef>
-        </p:style>
-        <p:txBody>
-          <a:bodyPr rtlCol="0" anchor="ctr"/>
-          <a:lstStyle/>
-          <a:p>
-            <a:pPr algn="ctr"/>
-            <a:r>
-              <a:rPr lang="fr-FR" sz="1400" dirty="0">
-                <a:solidFill>
-                  <a:schemeClr val="tx1"/>
-                </a:solidFill>
-              </a:rPr>
-              <a:t>C10</a:t>
-            </a:r>
+              <a:t>64BPM</a:t>
+            </a:r>
+            <a:endParaRPr lang="fr-FR" sz="1100" dirty="0">
+              <a:solidFill>
+                <a:schemeClr val="tx1"/>
+              </a:solidFill>
+            </a:endParaRPr>
           </a:p>
         </p:txBody>
       </p:sp>
@@ -5081,39 +5171,18 @@
           <a:p>
             <a:pPr algn="ctr"/>
             <a:r>
-              <a:rPr lang="fr-FR" sz="1400" dirty="0">
+              <a:rPr lang="fr-FR" sz="1400" dirty="0" smtClean="0">
                 <a:solidFill>
                   <a:schemeClr val="tx1"/>
                 </a:solidFill>
               </a:rPr>
-              <a:t>KEYB</a:t>
-            </a:r>
-            <a:br>
-              <a:rPr lang="fr-FR" sz="1400" dirty="0">
-                <a:solidFill>
-                  <a:schemeClr val="tx1"/>
-                </a:solidFill>
-              </a:rPr>
-            </a:br>
-            <a:r>
-              <a:rPr lang="fr-FR" sz="1400" dirty="0">
-                <a:solidFill>
-                  <a:schemeClr val="tx1"/>
-                </a:solidFill>
-              </a:rPr>
-              <a:t>Multi</a:t>
-            </a:r>
-          </a:p>
-          <a:p>
-            <a:pPr algn="ctr"/>
-            <a:r>
-              <a:rPr lang="fr-FR" sz="1400" dirty="0">
-                <a:solidFill>
-                  <a:schemeClr val="tx1"/>
-                </a:solidFill>
-              </a:rPr>
-              <a:t>(52)</a:t>
-            </a:r>
+              <a:t>KEYB A</a:t>
+            </a:r>
+            <a:endParaRPr lang="fr-FR" sz="1400" dirty="0">
+              <a:solidFill>
+                <a:schemeClr val="tx1"/>
+              </a:solidFill>
+            </a:endParaRPr>
           </a:p>
         </p:txBody>
       </p:sp>
@@ -5181,13 +5250,18 @@
               </a:rPr>
             </a:br>
             <a:r>
-              <a:rPr lang="fr-FR" sz="1400" dirty="0">
+              <a:rPr lang="fr-FR" sz="1400" dirty="0" smtClean="0">
                 <a:solidFill>
                   <a:schemeClr val="tx1"/>
                 </a:solidFill>
               </a:rPr>
-              <a:t>Ch0</a:t>
-            </a:r>
+              <a:t>M</a:t>
+            </a:r>
+            <a:endParaRPr lang="fr-FR" sz="1400" dirty="0">
+              <a:solidFill>
+                <a:schemeClr val="tx1"/>
+              </a:solidFill>
+            </a:endParaRPr>
           </a:p>
         </p:txBody>
       </p:sp>
